--- a/2 - Types of ML/Types of ML.pptx
+++ b/2 - Types of ML/Types of ML.pptx
@@ -5,7 +5,7 @@
     <p:sldMasterId id="2147483690" r:id="rId1"/>
   </p:sldMasterIdLst>
   <p:notesMasterIdLst>
-    <p:notesMasterId r:id="rId13"/>
+    <p:notesMasterId r:id="rId14"/>
   </p:notesMasterIdLst>
   <p:sldIdLst>
     <p:sldId id="256" r:id="rId2"/>
@@ -19,6 +19,7 @@
     <p:sldId id="303" r:id="rId10"/>
     <p:sldId id="304" r:id="rId11"/>
     <p:sldId id="306" r:id="rId12"/>
+    <p:sldId id="307" r:id="rId13"/>
   </p:sldIdLst>
   <p:sldSz cx="12192000" cy="6858000"/>
   <p:notesSz cx="6858000" cy="9144000"/>
@@ -4423,8 +4424,8 @@
           </a:p>
         </p:txBody>
       </p:sp>
-      <mc:AlternateContent xmlns:mc="http://schemas.openxmlformats.org/markup-compatibility/2006">
-        <mc:Choice xmlns:a14="http://schemas.microsoft.com/office/drawing/2010/main" Requires="a14">
+      <mc:AlternateContent xmlns:mc="http://schemas.openxmlformats.org/markup-compatibility/2006" xmlns:a14="http://schemas.microsoft.com/office/drawing/2010/main">
+        <mc:Choice Requires="a14">
           <p:sp>
             <p:nvSpPr>
               <p:cNvPr id="3" name="Content Placeholder 2">
@@ -4522,7 +4523,7 @@
             </p:txBody>
           </p:sp>
         </mc:Choice>
-        <mc:Fallback>
+        <mc:Fallback xmlns="">
           <p:sp>
             <p:nvSpPr>
               <p:cNvPr id="3" name="Content Placeholder 2">
@@ -4671,8 +4672,8 @@
           </a:p>
         </p:txBody>
       </p:sp>
-      <mc:AlternateContent xmlns:mc="http://schemas.openxmlformats.org/markup-compatibility/2006">
-        <mc:Choice xmlns:a14="http://schemas.microsoft.com/office/drawing/2010/main" Requires="a14">
+      <mc:AlternateContent xmlns:mc="http://schemas.openxmlformats.org/markup-compatibility/2006" xmlns:a14="http://schemas.microsoft.com/office/drawing/2010/main">
+        <mc:Choice Requires="a14">
           <p:sp>
             <p:nvSpPr>
               <p:cNvPr id="3" name="Content Placeholder 2">
@@ -4770,7 +4771,7 @@
             </p:txBody>
           </p:sp>
         </mc:Choice>
-        <mc:Fallback>
+        <mc:Fallback xmlns="">
           <p:sp>
             <p:nvSpPr>
               <p:cNvPr id="3" name="Content Placeholder 2">
@@ -4865,6 +4866,142 @@
     <p:extLst>
       <p:ext uri="{BB962C8B-B14F-4D97-AF65-F5344CB8AC3E}">
         <p14:creationId xmlns:p14="http://schemas.microsoft.com/office/powerpoint/2010/main" val="2850802671"/>
+      </p:ext>
+    </p:extLst>
+  </p:cSld>
+  <p:clrMapOvr>
+    <a:masterClrMapping/>
+  </p:clrMapOvr>
+</p:sld>
+</file>
+
+<file path=ppt/slides/slide12.xml><?xml version="1.0" encoding="utf-8"?>
+<p:sld xmlns:a="http://schemas.openxmlformats.org/drawingml/2006/main" xmlns:r="http://schemas.openxmlformats.org/officeDocument/2006/relationships" xmlns:p="http://schemas.openxmlformats.org/presentationml/2006/main">
+  <p:cSld>
+    <p:spTree>
+      <p:nvGrpSpPr>
+        <p:cNvPr id="1" name=""/>
+        <p:cNvGrpSpPr/>
+        <p:nvPr/>
+      </p:nvGrpSpPr>
+      <p:grpSpPr>
+        <a:xfrm>
+          <a:off x="0" y="0"/>
+          <a:ext cx="0" cy="0"/>
+          <a:chOff x="0" y="0"/>
+          <a:chExt cx="0" cy="0"/>
+        </a:xfrm>
+      </p:grpSpPr>
+      <p:sp>
+        <p:nvSpPr>
+          <p:cNvPr id="2" name="Title 1">
+            <a:extLst>
+              <a:ext uri="{FF2B5EF4-FFF2-40B4-BE49-F238E27FC236}">
+                <a16:creationId xmlns:a16="http://schemas.microsoft.com/office/drawing/2014/main" id="{5E1DB7E8-1DB3-4810-943E-A45658D607BD}"/>
+              </a:ext>
+            </a:extLst>
+          </p:cNvPr>
+          <p:cNvSpPr>
+            <a:spLocks noGrp="1"/>
+          </p:cNvSpPr>
+          <p:nvPr>
+            <p:ph type="title"/>
+          </p:nvPr>
+        </p:nvSpPr>
+        <p:spPr/>
+        <p:txBody>
+          <a:bodyPr/>
+          <a:lstStyle/>
+          <a:p>
+            <a:r>
+              <a:rPr lang="en-US" dirty="0"/>
+              <a:t>Sci-kit Learn</a:t>
+            </a:r>
+          </a:p>
+        </p:txBody>
+      </p:sp>
+      <p:sp>
+        <p:nvSpPr>
+          <p:cNvPr id="3" name="Content Placeholder 2">
+            <a:extLst>
+              <a:ext uri="{FF2B5EF4-FFF2-40B4-BE49-F238E27FC236}">
+                <a16:creationId xmlns:a16="http://schemas.microsoft.com/office/drawing/2014/main" id="{CED8A043-6D73-4F61-9BA2-F3E6BEF0BD24}"/>
+              </a:ext>
+            </a:extLst>
+          </p:cNvPr>
+          <p:cNvSpPr>
+            <a:spLocks noGrp="1"/>
+          </p:cNvSpPr>
+          <p:nvPr>
+            <p:ph idx="1"/>
+          </p:nvPr>
+        </p:nvSpPr>
+        <p:spPr/>
+        <p:txBody>
+          <a:bodyPr/>
+          <a:lstStyle/>
+          <a:p>
+            <a:r>
+              <a:rPr lang="en-US" dirty="0"/>
+              <a:t>Python package for machine learning</a:t>
+            </a:r>
+          </a:p>
+          <a:p>
+            <a:r>
+              <a:rPr lang="en-US" dirty="0"/>
+              <a:t>Mature documentation and lots of help online</a:t>
+            </a:r>
+            <a:endParaRPr lang="en-US" dirty="0">
+              <a:hlinkClick r:id="rId2"/>
+            </a:endParaRPr>
+          </a:p>
+          <a:p>
+            <a:r>
+              <a:rPr lang="en-US" dirty="0">
+                <a:hlinkClick r:id="rId2"/>
+              </a:rPr>
+              <a:t>http://scikit-learn.org/stable/</a:t>
+            </a:r>
+            <a:endParaRPr lang="en-US" dirty="0"/>
+          </a:p>
+          <a:p>
+            <a:r>
+              <a:rPr lang="en-US" dirty="0"/>
+              <a:t>Linear regression </a:t>
+            </a:r>
+            <a:r>
+              <a:rPr lang="en-US" dirty="0" err="1"/>
+              <a:t>Colab</a:t>
+            </a:r>
+            <a:r>
+              <a:rPr lang="en-US" dirty="0"/>
+              <a:t> example</a:t>
+            </a:r>
+          </a:p>
+          <a:p>
+            <a:endParaRPr lang="en-US" dirty="0"/>
+          </a:p>
+          <a:p>
+            <a:r>
+              <a:rPr lang="en-US" dirty="0"/>
+              <a:t>Classification </a:t>
+            </a:r>
+            <a:r>
+              <a:rPr lang="en-US" dirty="0" err="1"/>
+              <a:t>Colab</a:t>
+            </a:r>
+            <a:r>
+              <a:rPr lang="en-US"/>
+              <a:t> example</a:t>
+            </a:r>
+            <a:endParaRPr lang="en-US" dirty="0"/>
+          </a:p>
+        </p:txBody>
+      </p:sp>
+    </p:spTree>
+    <p:extLst>
+      <p:ext uri="{BB962C8B-B14F-4D97-AF65-F5344CB8AC3E}">
+        <p14:creationId xmlns:p14="http://schemas.microsoft.com/office/powerpoint/2010/main" val="3384091521"/>
       </p:ext>
     </p:extLst>
   </p:cSld>
@@ -5975,7 +6112,7 @@
                 </a:r>
                 <a:r>
                   <a:rPr lang="en-US" dirty="0"/>
-                  <a:t>.</a:t>
+                  <a:t>, observation.</a:t>
                 </a:r>
               </a:p>
               <a:p>
@@ -6010,7 +6147,7 @@
                 </a14:m>
                 <a:r>
                   <a:rPr lang="en-US" b="0" dirty="0"/>
-                  <a:t> is the output. AKA: label, target, </a:t>
+                  <a:t> is the output. AKA: target, </a:t>
                 </a:r>
               </a:p>
               <a:p>
@@ -6019,7 +6156,7 @@
                 </a:pPr>
                 <a:r>
                   <a:rPr lang="en-US" dirty="0"/>
-                  <a:t>   dependent variable.</a:t>
+                  <a:t>   dependent variable, response.</a:t>
                 </a:r>
               </a:p>
               <a:p>
@@ -6124,7 +6261,7 @@
                 </a:br>
                 <a:r>
                   <a:rPr lang="en-US" dirty="0"/>
-                  <a:t>   dependent variable.</a:t>
+                  <a:t>   dependent variable, class prediction.</a:t>
                 </a:r>
               </a:p>
             </p:txBody>

--- a/2 - Types of ML/Types of ML.pptx
+++ b/2 - Types of ML/Types of ML.pptx
@@ -4914,8 +4914,12 @@
           <a:lstStyle/>
           <a:p>
             <a:r>
+              <a:rPr lang="en-US" dirty="0" err="1"/>
+              <a:t>Scikit</a:t>
+            </a:r>
+            <a:r>
               <a:rPr lang="en-US" dirty="0"/>
-              <a:t>Sci-kit Learn</a:t>
+              <a:t>-learn</a:t>
             </a:r>
           </a:p>
         </p:txBody>
@@ -4974,27 +4978,24 @@
               <a:t>Colab</a:t>
             </a:r>
             <a:r>
+              <a:rPr lang="en-US"/>
+              <a:t> example</a:t>
+            </a:r>
+            <a:endParaRPr lang="en-US" dirty="0"/>
+          </a:p>
+          <a:p>
+            <a:r>
+              <a:rPr lang="en-US" dirty="0"/>
+              <a:t>Classification </a:t>
+            </a:r>
+            <a:r>
+              <a:rPr lang="en-US" dirty="0" err="1"/>
+              <a:t>Colab</a:t>
+            </a:r>
+            <a:r>
               <a:rPr lang="en-US" dirty="0"/>
               <a:t> example</a:t>
             </a:r>
-          </a:p>
-          <a:p>
-            <a:endParaRPr lang="en-US" dirty="0"/>
-          </a:p>
-          <a:p>
-            <a:r>
-              <a:rPr lang="en-US" dirty="0"/>
-              <a:t>Classification </a:t>
-            </a:r>
-            <a:r>
-              <a:rPr lang="en-US" dirty="0" err="1"/>
-              <a:t>Colab</a:t>
-            </a:r>
-            <a:r>
-              <a:rPr lang="en-US"/>
-              <a:t> example</a:t>
-            </a:r>
-            <a:endParaRPr lang="en-US" dirty="0"/>
           </a:p>
         </p:txBody>
       </p:sp>
@@ -5628,24 +5629,50 @@
         </p:nvSpPr>
         <p:spPr/>
         <p:txBody>
-          <a:bodyPr/>
-          <a:lstStyle/>
-          <a:p>
+          <a:bodyPr>
+            <a:normAutofit lnSpcReduction="10000"/>
+          </a:bodyPr>
+          <a:lstStyle/>
+          <a:p>
+            <a:r>
+              <a:rPr lang="en-US" dirty="0">
+                <a:hlinkClick r:id="rId2"/>
+              </a:rPr>
+              <a:t>Python coding</a:t>
+            </a:r>
             <a:r>
               <a:rPr lang="en-US" dirty="0"/>
-              <a:t>Other machine learning algorithms</a:t>
+              <a:t> </a:t>
             </a:r>
           </a:p>
           <a:p>
             <a:r>
               <a:rPr lang="en-US" dirty="0"/>
-              <a:t>Sci-kit learn</a:t>
-            </a:r>
-          </a:p>
-          <a:p>
+              <a:t>Basic ML tasks</a:t>
+            </a:r>
+          </a:p>
+          <a:p>
+            <a:pPr lvl="1"/>
             <a:r>
               <a:rPr lang="en-US" dirty="0"/>
-              <a:t>Matplotlib</a:t>
+              <a:t>Classification</a:t>
+            </a:r>
+          </a:p>
+          <a:p>
+            <a:pPr lvl="1"/>
+            <a:r>
+              <a:rPr lang="en-US" dirty="0"/>
+              <a:t>Regression </a:t>
+            </a:r>
+          </a:p>
+          <a:p>
+            <a:r>
+              <a:rPr lang="en-US" dirty="0" err="1"/>
+              <a:t>scikit</a:t>
+            </a:r>
+            <a:r>
+              <a:rPr lang="en-US" dirty="0"/>
+              <a:t>-learn</a:t>
             </a:r>
           </a:p>
           <a:p>
@@ -5992,8 +6019,8 @@
           </a:p>
         </p:txBody>
       </p:sp>
-      <mc:AlternateContent xmlns:mc="http://schemas.openxmlformats.org/markup-compatibility/2006">
-        <mc:Choice xmlns:a14="http://schemas.microsoft.com/office/drawing/2010/main" Requires="a14">
+      <mc:AlternateContent xmlns:mc="http://schemas.openxmlformats.org/markup-compatibility/2006" xmlns:a14="http://schemas.microsoft.com/office/drawing/2010/main">
+        <mc:Choice Requires="a14">
           <p:sp>
             <p:nvSpPr>
               <p:cNvPr id="3" name="Content Placeholder 2">
@@ -6267,7 +6294,7 @@
             </p:txBody>
           </p:sp>
         </mc:Choice>
-        <mc:Fallback>
+        <mc:Fallback xmlns="">
           <p:sp>
             <p:nvSpPr>
               <p:cNvPr id="3" name="Content Placeholder 2">

--- a/2 - Types of ML/Types of ML.pptx
+++ b/2 - Types of ML/Types of ML.pptx
@@ -5,7 +5,7 @@
     <p:sldMasterId id="2147483690" r:id="rId1"/>
   </p:sldMasterIdLst>
   <p:notesMasterIdLst>
-    <p:notesMasterId r:id="rId14"/>
+    <p:notesMasterId r:id="rId15"/>
   </p:notesMasterIdLst>
   <p:sldIdLst>
     <p:sldId id="256" r:id="rId2"/>
@@ -18,8 +18,9 @@
     <p:sldId id="302" r:id="rId9"/>
     <p:sldId id="303" r:id="rId10"/>
     <p:sldId id="304" r:id="rId11"/>
-    <p:sldId id="306" r:id="rId12"/>
-    <p:sldId id="307" r:id="rId13"/>
+    <p:sldId id="308" r:id="rId12"/>
+    <p:sldId id="306" r:id="rId13"/>
+    <p:sldId id="307" r:id="rId14"/>
   </p:sldIdLst>
   <p:sldSz cx="12192000" cy="6858000"/>
   <p:notesSz cx="6858000" cy="9144000"/>
@@ -4649,6 +4650,200 @@
           <p:cNvPr id="2" name="Title 1">
             <a:extLst>
               <a:ext uri="{FF2B5EF4-FFF2-40B4-BE49-F238E27FC236}">
+                <a16:creationId xmlns:a16="http://schemas.microsoft.com/office/drawing/2014/main" id="{45655251-B8E5-4B4D-82DE-183D4176FD9A}"/>
+              </a:ext>
+            </a:extLst>
+          </p:cNvPr>
+          <p:cNvSpPr>
+            <a:spLocks noGrp="1"/>
+          </p:cNvSpPr>
+          <p:nvPr>
+            <p:ph type="title"/>
+          </p:nvPr>
+        </p:nvSpPr>
+        <p:spPr/>
+        <p:txBody>
+          <a:bodyPr/>
+          <a:lstStyle/>
+          <a:p>
+            <a:r>
+              <a:rPr lang="en-US" dirty="0"/>
+              <a:t>Classification Examples</a:t>
+            </a:r>
+          </a:p>
+        </p:txBody>
+      </p:sp>
+      <p:sp>
+        <p:nvSpPr>
+          <p:cNvPr id="3" name="Content Placeholder 2">
+            <a:extLst>
+              <a:ext uri="{FF2B5EF4-FFF2-40B4-BE49-F238E27FC236}">
+                <a16:creationId xmlns:a16="http://schemas.microsoft.com/office/drawing/2014/main" id="{955549FC-3939-488E-B8A6-0B3B6B49A0B0}"/>
+              </a:ext>
+            </a:extLst>
+          </p:cNvPr>
+          <p:cNvSpPr>
+            <a:spLocks noGrp="1"/>
+          </p:cNvSpPr>
+          <p:nvPr>
+            <p:ph idx="1"/>
+          </p:nvPr>
+        </p:nvSpPr>
+        <p:spPr>
+          <a:xfrm>
+            <a:off x="838200" y="1520825"/>
+            <a:ext cx="10515600" cy="4351338"/>
+          </a:xfrm>
+        </p:spPr>
+        <p:txBody>
+          <a:bodyPr/>
+          <a:lstStyle/>
+          <a:p>
+            <a:r>
+              <a:rPr lang="en-US" dirty="0"/>
+              <a:t>Predict if house in high or low crime area</a:t>
+            </a:r>
+          </a:p>
+          <a:p>
+            <a:r>
+              <a:rPr lang="en-US" dirty="0"/>
+              <a:t>Predict student future occupation</a:t>
+            </a:r>
+          </a:p>
+          <a:p>
+            <a:r>
+              <a:rPr lang="en-US" dirty="0"/>
+              <a:t>Given an x-ray, diagnose type of condition</a:t>
+            </a:r>
+          </a:p>
+          <a:p>
+            <a:r>
+              <a:rPr lang="en-US" dirty="0"/>
+              <a:t>Segment medical image according to tissue type </a:t>
+            </a:r>
+          </a:p>
+          <a:p>
+            <a:endParaRPr lang="en-US" dirty="0"/>
+          </a:p>
+        </p:txBody>
+      </p:sp>
+      <p:pic>
+        <p:nvPicPr>
+          <p:cNvPr id="1026" name="Picture 2" descr="http://niftyweb.cs.ucl.ac.uk/img/gif.png">
+            <a:extLst>
+              <a:ext uri="{FF2B5EF4-FFF2-40B4-BE49-F238E27FC236}">
+                <a16:creationId xmlns:a16="http://schemas.microsoft.com/office/drawing/2014/main" id="{3B48F7DA-FF96-4D1C-8C18-76D1A8B38056}"/>
+              </a:ext>
+            </a:extLst>
+          </p:cNvPr>
+          <p:cNvPicPr>
+            <a:picLocks noChangeAspect="1" noChangeArrowheads="1"/>
+          </p:cNvPicPr>
+          <p:nvPr/>
+        </p:nvPicPr>
+        <p:blipFill>
+          <a:blip r:embed="rId2">
+            <a:extLst>
+              <a:ext uri="{28A0092B-C50C-407E-A947-70E740481C1C}">
+                <a14:useLocalDpi xmlns:a14="http://schemas.microsoft.com/office/drawing/2010/main" val="0"/>
+              </a:ext>
+            </a:extLst>
+          </a:blip>
+          <a:srcRect/>
+          <a:stretch>
+            <a:fillRect/>
+          </a:stretch>
+        </p:blipFill>
+        <p:spPr bwMode="auto">
+          <a:xfrm>
+            <a:off x="3690850" y="3746371"/>
+            <a:ext cx="4575147" cy="2576875"/>
+          </a:xfrm>
+          <a:prstGeom prst="rect">
+            <a:avLst/>
+          </a:prstGeom>
+          <a:noFill/>
+          <a:extLst>
+            <a:ext uri="{909E8E84-426E-40DD-AFC4-6F175D3DCCD1}">
+              <a14:hiddenFill xmlns:a14="http://schemas.microsoft.com/office/drawing/2010/main">
+                <a:solidFill>
+                  <a:srgbClr val="FFFFFF"/>
+                </a:solidFill>
+              </a14:hiddenFill>
+            </a:ext>
+          </a:extLst>
+        </p:spPr>
+      </p:pic>
+      <p:sp>
+        <p:nvSpPr>
+          <p:cNvPr id="4" name="TextBox 3">
+            <a:extLst>
+              <a:ext uri="{FF2B5EF4-FFF2-40B4-BE49-F238E27FC236}">
+                <a16:creationId xmlns:a16="http://schemas.microsoft.com/office/drawing/2014/main" id="{1B6F912D-AE28-453F-A449-5C36A7215288}"/>
+              </a:ext>
+            </a:extLst>
+          </p:cNvPr>
+          <p:cNvSpPr txBox="1"/>
+          <p:nvPr/>
+        </p:nvSpPr>
+        <p:spPr>
+          <a:xfrm>
+            <a:off x="0" y="6611779"/>
+            <a:ext cx="2385589" cy="246221"/>
+          </a:xfrm>
+          <a:prstGeom prst="rect">
+            <a:avLst/>
+          </a:prstGeom>
+          <a:noFill/>
+        </p:spPr>
+        <p:txBody>
+          <a:bodyPr wrap="none" rtlCol="0">
+            <a:spAutoFit/>
+          </a:bodyPr>
+          <a:lstStyle/>
+          <a:p>
+            <a:r>
+              <a:rPr lang="en-US" sz="1000" dirty="0"/>
+              <a:t>Image credit: http://niftyweb.cs.ucl.ac.uk/</a:t>
+            </a:r>
+          </a:p>
+        </p:txBody>
+      </p:sp>
+    </p:spTree>
+    <p:extLst>
+      <p:ext uri="{BB962C8B-B14F-4D97-AF65-F5344CB8AC3E}">
+        <p14:creationId xmlns:p14="http://schemas.microsoft.com/office/powerpoint/2010/main" val="2997529684"/>
+      </p:ext>
+    </p:extLst>
+  </p:cSld>
+  <p:clrMapOvr>
+    <a:masterClrMapping/>
+  </p:clrMapOvr>
+</p:sld>
+</file>
+
+<file path=ppt/slides/slide12.xml><?xml version="1.0" encoding="utf-8"?>
+<p:sld xmlns:a="http://schemas.openxmlformats.org/drawingml/2006/main" xmlns:r="http://schemas.openxmlformats.org/officeDocument/2006/relationships" xmlns:p="http://schemas.openxmlformats.org/presentationml/2006/main">
+  <p:cSld>
+    <p:spTree>
+      <p:nvGrpSpPr>
+        <p:cNvPr id="1" name=""/>
+        <p:cNvGrpSpPr/>
+        <p:nvPr/>
+      </p:nvGrpSpPr>
+      <p:grpSpPr>
+        <a:xfrm>
+          <a:off x="0" y="0"/>
+          <a:ext cx="0" cy="0"/>
+          <a:chOff x="0" y="0"/>
+          <a:chExt cx="0" cy="0"/>
+        </a:xfrm>
+      </p:grpSpPr>
+      <p:sp>
+        <p:nvSpPr>
+          <p:cNvPr id="2" name="Title 1">
+            <a:extLst>
+              <a:ext uri="{FF2B5EF4-FFF2-40B4-BE49-F238E27FC236}">
                 <a16:creationId xmlns:a16="http://schemas.microsoft.com/office/drawing/2014/main" id="{6AF747BF-CA00-42F6-B6D4-13061A37EDDA}"/>
               </a:ext>
             </a:extLst>
@@ -4875,7 +5070,7 @@
 </p:sld>
 </file>
 
-<file path=ppt/slides/slide12.xml><?xml version="1.0" encoding="utf-8"?>
+<file path=ppt/slides/slide13.xml><?xml version="1.0" encoding="utf-8"?>
 <p:sld xmlns:a="http://schemas.openxmlformats.org/drawingml/2006/main" xmlns:r="http://schemas.openxmlformats.org/officeDocument/2006/relationships" xmlns:p="http://schemas.openxmlformats.org/presentationml/2006/main">
   <p:cSld>
     <p:spTree>
@@ -4970,32 +5165,45 @@
           </a:p>
           <a:p>
             <a:r>
-              <a:rPr lang="en-US" dirty="0"/>
+              <a:rPr lang="en-US" dirty="0">
+                <a:hlinkClick r:id="rId3"/>
+              </a:rPr>
               <a:t>Linear regression </a:t>
             </a:r>
             <a:r>
-              <a:rPr lang="en-US" dirty="0" err="1"/>
+              <a:rPr lang="en-US" dirty="0" err="1">
+                <a:hlinkClick r:id="rId3"/>
+              </a:rPr>
               <a:t>Colab</a:t>
             </a:r>
             <a:r>
-              <a:rPr lang="en-US"/>
+              <a:rPr lang="en-US" dirty="0">
+                <a:hlinkClick r:id="rId3"/>
+              </a:rPr>
               <a:t> example</a:t>
             </a:r>
             <a:endParaRPr lang="en-US" dirty="0"/>
           </a:p>
           <a:p>
             <a:r>
-              <a:rPr lang="en-US" dirty="0"/>
+              <a:rPr lang="en-US" dirty="0">
+                <a:hlinkClick r:id="rId4"/>
+              </a:rPr>
               <a:t>Classification </a:t>
             </a:r>
             <a:r>
-              <a:rPr lang="en-US" dirty="0" err="1"/>
+              <a:rPr lang="en-US" dirty="0" err="1">
+                <a:hlinkClick r:id="rId4"/>
+              </a:rPr>
               <a:t>Colab</a:t>
             </a:r>
             <a:r>
-              <a:rPr lang="en-US" dirty="0"/>
+              <a:rPr lang="en-US" dirty="0">
+                <a:hlinkClick r:id="rId4"/>
+              </a:rPr>
               <a:t> example</a:t>
             </a:r>
+            <a:endParaRPr lang="en-US" dirty="0"/>
           </a:p>
         </p:txBody>
       </p:sp>
@@ -5630,7 +5838,7 @@
         <p:spPr/>
         <p:txBody>
           <a:bodyPr>
-            <a:normAutofit lnSpcReduction="10000"/>
+            <a:normAutofit/>
           </a:bodyPr>
           <a:lstStyle/>
           <a:p>
@@ -5673,40 +5881,6 @@
             <a:r>
               <a:rPr lang="en-US" dirty="0"/>
               <a:t>-learn</a:t>
-            </a:r>
-          </a:p>
-          <a:p>
-            <a:r>
-              <a:rPr lang="en-US" dirty="0"/>
-              <a:t>Basic machine learning algorithms</a:t>
-            </a:r>
-          </a:p>
-          <a:p>
-            <a:pPr lvl="1"/>
-            <a:r>
-              <a:rPr lang="en-US" dirty="0"/>
-              <a:t>Supervised</a:t>
-            </a:r>
-          </a:p>
-          <a:p>
-            <a:pPr lvl="1"/>
-            <a:r>
-              <a:rPr lang="en-US" dirty="0"/>
-              <a:t>Unsupervised</a:t>
-            </a:r>
-          </a:p>
-          <a:p>
-            <a:pPr lvl="1"/>
-            <a:r>
-              <a:rPr lang="en-US" dirty="0"/>
-              <a:t>Self-supervised</a:t>
-            </a:r>
-          </a:p>
-          <a:p>
-            <a:pPr lvl="1"/>
-            <a:r>
-              <a:rPr lang="en-US" dirty="0"/>
-              <a:t>Reinforcement</a:t>
             </a:r>
           </a:p>
           <a:p>

--- a/2 - Types of ML/Types of ML.pptx
+++ b/2 - Types of ML/Types of ML.pptx
@@ -5,7 +5,7 @@
     <p:sldMasterId id="2147483690" r:id="rId1"/>
   </p:sldMasterIdLst>
   <p:notesMasterIdLst>
-    <p:notesMasterId r:id="rId15"/>
+    <p:notesMasterId r:id="rId17"/>
   </p:notesMasterIdLst>
   <p:sldIdLst>
     <p:sldId id="256" r:id="rId2"/>
@@ -21,6 +21,8 @@
     <p:sldId id="308" r:id="rId12"/>
     <p:sldId id="306" r:id="rId13"/>
     <p:sldId id="307" r:id="rId14"/>
+    <p:sldId id="309" r:id="rId15"/>
+    <p:sldId id="310" r:id="rId16"/>
   </p:sldIdLst>
   <p:sldSz cx="12192000" cy="6858000"/>
   <p:notesSz cx="6858000" cy="9144000"/>
@@ -5211,6 +5213,228 @@
     <p:extLst>
       <p:ext uri="{BB962C8B-B14F-4D97-AF65-F5344CB8AC3E}">
         <p14:creationId xmlns:p14="http://schemas.microsoft.com/office/powerpoint/2010/main" val="3384091521"/>
+      </p:ext>
+    </p:extLst>
+  </p:cSld>
+  <p:clrMapOvr>
+    <a:masterClrMapping/>
+  </p:clrMapOvr>
+</p:sld>
+</file>
+
+<file path=ppt/slides/slide14.xml><?xml version="1.0" encoding="utf-8"?>
+<p:sld xmlns:a="http://schemas.openxmlformats.org/drawingml/2006/main" xmlns:r="http://schemas.openxmlformats.org/officeDocument/2006/relationships" xmlns:p="http://schemas.openxmlformats.org/presentationml/2006/main">
+  <p:cSld>
+    <p:spTree>
+      <p:nvGrpSpPr>
+        <p:cNvPr id="1" name=""/>
+        <p:cNvGrpSpPr/>
+        <p:nvPr/>
+      </p:nvGrpSpPr>
+      <p:grpSpPr>
+        <a:xfrm>
+          <a:off x="0" y="0"/>
+          <a:ext cx="0" cy="0"/>
+          <a:chOff x="0" y="0"/>
+          <a:chExt cx="0" cy="0"/>
+        </a:xfrm>
+      </p:grpSpPr>
+      <p:sp>
+        <p:nvSpPr>
+          <p:cNvPr id="2" name="Title 1">
+            <a:extLst>
+              <a:ext uri="{FF2B5EF4-FFF2-40B4-BE49-F238E27FC236}">
+                <a16:creationId xmlns:a16="http://schemas.microsoft.com/office/drawing/2014/main" id="{EA68E3B9-9885-4589-A63C-4692F915B754}"/>
+              </a:ext>
+            </a:extLst>
+          </p:cNvPr>
+          <p:cNvSpPr>
+            <a:spLocks noGrp="1"/>
+          </p:cNvSpPr>
+          <p:nvPr>
+            <p:ph type="title"/>
+          </p:nvPr>
+        </p:nvSpPr>
+        <p:spPr/>
+        <p:txBody>
+          <a:bodyPr>
+            <a:normAutofit/>
+          </a:bodyPr>
+          <a:lstStyle/>
+          <a:p>
+            <a:r>
+              <a:rPr lang="en-US" dirty="0"/>
+              <a:t>Recent progress: modeling nature</a:t>
+            </a:r>
+          </a:p>
+        </p:txBody>
+      </p:sp>
+      <p:sp>
+        <p:nvSpPr>
+          <p:cNvPr id="3" name="Content Placeholder 2">
+            <a:extLst>
+              <a:ext uri="{FF2B5EF4-FFF2-40B4-BE49-F238E27FC236}">
+                <a16:creationId xmlns:a16="http://schemas.microsoft.com/office/drawing/2014/main" id="{14F507C2-67EC-46AD-96D5-553516E7AA3E}"/>
+              </a:ext>
+            </a:extLst>
+          </p:cNvPr>
+          <p:cNvSpPr>
+            <a:spLocks noGrp="1"/>
+          </p:cNvSpPr>
+          <p:nvPr>
+            <p:ph idx="1"/>
+          </p:nvPr>
+        </p:nvSpPr>
+        <p:spPr/>
+        <p:txBody>
+          <a:bodyPr/>
+          <a:lstStyle/>
+          <a:p>
+            <a:r>
+              <a:rPr lang="en-US" dirty="0">
+                <a:hlinkClick r:id="rId2"/>
+              </a:rPr>
+              <a:t>Deep learning models reveal internal structure and diverse computations in the retina under natural scenes</a:t>
+            </a:r>
+            <a:endParaRPr lang="en-US" dirty="0"/>
+          </a:p>
+          <a:p>
+            <a:r>
+              <a:rPr lang="en-US" dirty="0"/>
+              <a:t>Inputs: natural scene images (video)</a:t>
+            </a:r>
+          </a:p>
+          <a:p>
+            <a:r>
+              <a:rPr lang="en-US" dirty="0"/>
+              <a:t>Training labels: measurements from ganglion cells</a:t>
+            </a:r>
+          </a:p>
+          <a:p>
+            <a:r>
+              <a:rPr lang="en-US" dirty="0"/>
+              <a:t>Test: compared model outputs to a separate retinae that the model was never fit to</a:t>
+            </a:r>
+          </a:p>
+          <a:p>
+            <a:endParaRPr lang="en-US" dirty="0"/>
+          </a:p>
+        </p:txBody>
+      </p:sp>
+    </p:spTree>
+    <p:extLst>
+      <p:ext uri="{BB962C8B-B14F-4D97-AF65-F5344CB8AC3E}">
+        <p14:creationId xmlns:p14="http://schemas.microsoft.com/office/powerpoint/2010/main" val="1414708750"/>
+      </p:ext>
+    </p:extLst>
+  </p:cSld>
+  <p:clrMapOvr>
+    <a:masterClrMapping/>
+  </p:clrMapOvr>
+</p:sld>
+</file>
+
+<file path=ppt/slides/slide15.xml><?xml version="1.0" encoding="utf-8"?>
+<p:sld xmlns:a="http://schemas.openxmlformats.org/drawingml/2006/main" xmlns:r="http://schemas.openxmlformats.org/officeDocument/2006/relationships" xmlns:p="http://schemas.openxmlformats.org/presentationml/2006/main">
+  <p:cSld>
+    <p:spTree>
+      <p:nvGrpSpPr>
+        <p:cNvPr id="1" name=""/>
+        <p:cNvGrpSpPr/>
+        <p:nvPr/>
+      </p:nvGrpSpPr>
+      <p:grpSpPr>
+        <a:xfrm>
+          <a:off x="0" y="0"/>
+          <a:ext cx="0" cy="0"/>
+          <a:chOff x="0" y="0"/>
+          <a:chExt cx="0" cy="0"/>
+        </a:xfrm>
+      </p:grpSpPr>
+      <p:sp>
+        <p:nvSpPr>
+          <p:cNvPr id="2" name="Title 1">
+            <a:extLst>
+              <a:ext uri="{FF2B5EF4-FFF2-40B4-BE49-F238E27FC236}">
+                <a16:creationId xmlns:a16="http://schemas.microsoft.com/office/drawing/2014/main" id="{171ECD03-1C8B-46F7-81E0-D7E49A86CD58}"/>
+              </a:ext>
+            </a:extLst>
+          </p:cNvPr>
+          <p:cNvSpPr>
+            <a:spLocks noGrp="1"/>
+          </p:cNvSpPr>
+          <p:nvPr>
+            <p:ph type="title"/>
+          </p:nvPr>
+        </p:nvSpPr>
+        <p:spPr/>
+        <p:txBody>
+          <a:bodyPr/>
+          <a:lstStyle/>
+          <a:p>
+            <a:endParaRPr lang="en-US"/>
+          </a:p>
+        </p:txBody>
+      </p:sp>
+      <p:sp>
+        <p:nvSpPr>
+          <p:cNvPr id="3" name="Content Placeholder 2">
+            <a:extLst>
+              <a:ext uri="{FF2B5EF4-FFF2-40B4-BE49-F238E27FC236}">
+                <a16:creationId xmlns:a16="http://schemas.microsoft.com/office/drawing/2014/main" id="{848A8542-40A0-43B9-99A6-A92B46AEADDE}"/>
+              </a:ext>
+            </a:extLst>
+          </p:cNvPr>
+          <p:cNvSpPr>
+            <a:spLocks noGrp="1"/>
+          </p:cNvSpPr>
+          <p:nvPr>
+            <p:ph idx="1"/>
+          </p:nvPr>
+        </p:nvSpPr>
+        <p:spPr/>
+        <p:txBody>
+          <a:bodyPr/>
+          <a:lstStyle/>
+          <a:p>
+            <a:endParaRPr lang="en-US"/>
+          </a:p>
+        </p:txBody>
+      </p:sp>
+      <p:pic>
+        <p:nvPicPr>
+          <p:cNvPr id="4" name="Picture 3">
+            <a:extLst>
+              <a:ext uri="{FF2B5EF4-FFF2-40B4-BE49-F238E27FC236}">
+                <a16:creationId xmlns:a16="http://schemas.microsoft.com/office/drawing/2014/main" id="{0117074A-B44A-47D4-B805-5E4E067187FB}"/>
+              </a:ext>
+            </a:extLst>
+          </p:cNvPr>
+          <p:cNvPicPr>
+            <a:picLocks noChangeAspect="1"/>
+          </p:cNvPicPr>
+          <p:nvPr/>
+        </p:nvPicPr>
+        <p:blipFill>
+          <a:blip r:embed="rId2"/>
+          <a:stretch>
+            <a:fillRect/>
+          </a:stretch>
+        </p:blipFill>
+        <p:spPr>
+          <a:xfrm>
+            <a:off x="1709811" y="0"/>
+            <a:ext cx="8772377" cy="6858000"/>
+          </a:xfrm>
+          <a:prstGeom prst="rect">
+            <a:avLst/>
+          </a:prstGeom>
+        </p:spPr>
+      </p:pic>
+    </p:spTree>
+    <p:extLst>
+      <p:ext uri="{BB962C8B-B14F-4D97-AF65-F5344CB8AC3E}">
+        <p14:creationId xmlns:p14="http://schemas.microsoft.com/office/powerpoint/2010/main" val="1210074687"/>
       </p:ext>
     </p:extLst>
   </p:cSld>
